--- a/ppts/[Session2] Text Preprocessing 실습.pptx
+++ b/ppts/[Session2] Text Preprocessing 실습.pptx
@@ -134,7 +134,7 @@
   </p:defaultTextStyle>
   <p:extLst>
     <p:ext uri="{EFAFB233-063F-42B5-8137-9DF3F51BA10A}">
-      <p15:sldGuideLst xmlns:p15="http://schemas.microsoft.com/office/powerpoint/2012/main" xmlns="">
+      <p15:sldGuideLst xmlns:p15="http://schemas.microsoft.com/office/powerpoint/2012/main">
         <p15:guide id="1" orient="horz" pos="2160">
           <p15:clr>
             <a:srgbClr val="A4A3A4"/>
@@ -233,7 +233,7 @@
           <a:p>
             <a:fld id="{7A6B77AA-7177-4D50-AB49-C260886B6169}" type="datetimeFigureOut">
               <a:rPr lang="ko-KR" altLang="en-US" smtClean="0"/>
-              <a:t>2017-06-22</a:t>
+              <a:t>2017-09-25</a:t>
             </a:fld>
             <a:endParaRPr lang="ko-KR" altLang="en-US"/>
           </a:p>
@@ -682,7 +682,7 @@
           <a:p>
             <a:fld id="{1179C0B5-9E42-4E82-BD73-9C37117B84AF}" type="datetimeFigureOut">
               <a:rPr lang="ko-KR" altLang="en-US" smtClean="0"/>
-              <a:t>2017-06-22</a:t>
+              <a:t>2017-09-25</a:t>
             </a:fld>
             <a:endParaRPr lang="ko-KR" altLang="en-US"/>
           </a:p>
@@ -852,7 +852,7 @@
           <a:p>
             <a:fld id="{1179C0B5-9E42-4E82-BD73-9C37117B84AF}" type="datetimeFigureOut">
               <a:rPr lang="ko-KR" altLang="en-US" smtClean="0"/>
-              <a:t>2017-06-22</a:t>
+              <a:t>2017-09-25</a:t>
             </a:fld>
             <a:endParaRPr lang="ko-KR" altLang="en-US"/>
           </a:p>
@@ -1032,7 +1032,7 @@
           <a:p>
             <a:fld id="{1179C0B5-9E42-4E82-BD73-9C37117B84AF}" type="datetimeFigureOut">
               <a:rPr lang="ko-KR" altLang="en-US" smtClean="0"/>
-              <a:t>2017-06-22</a:t>
+              <a:t>2017-09-25</a:t>
             </a:fld>
             <a:endParaRPr lang="ko-KR" altLang="en-US"/>
           </a:p>
@@ -1202,7 +1202,7 @@
           <a:p>
             <a:fld id="{1179C0B5-9E42-4E82-BD73-9C37117B84AF}" type="datetimeFigureOut">
               <a:rPr lang="ko-KR" altLang="en-US" smtClean="0"/>
-              <a:t>2017-06-22</a:t>
+              <a:t>2017-09-25</a:t>
             </a:fld>
             <a:endParaRPr lang="ko-KR" altLang="en-US"/>
           </a:p>
@@ -1448,7 +1448,7 @@
           <a:p>
             <a:fld id="{1179C0B5-9E42-4E82-BD73-9C37117B84AF}" type="datetimeFigureOut">
               <a:rPr lang="ko-KR" altLang="en-US" smtClean="0"/>
-              <a:t>2017-06-22</a:t>
+              <a:t>2017-09-25</a:t>
             </a:fld>
             <a:endParaRPr lang="ko-KR" altLang="en-US"/>
           </a:p>
@@ -1736,7 +1736,7 @@
           <a:p>
             <a:fld id="{1179C0B5-9E42-4E82-BD73-9C37117B84AF}" type="datetimeFigureOut">
               <a:rPr lang="ko-KR" altLang="en-US" smtClean="0"/>
-              <a:t>2017-06-22</a:t>
+              <a:t>2017-09-25</a:t>
             </a:fld>
             <a:endParaRPr lang="ko-KR" altLang="en-US"/>
           </a:p>
@@ -2158,7 +2158,7 @@
           <a:p>
             <a:fld id="{1179C0B5-9E42-4E82-BD73-9C37117B84AF}" type="datetimeFigureOut">
               <a:rPr lang="ko-KR" altLang="en-US" smtClean="0"/>
-              <a:t>2017-06-22</a:t>
+              <a:t>2017-09-25</a:t>
             </a:fld>
             <a:endParaRPr lang="ko-KR" altLang="en-US"/>
           </a:p>
@@ -2276,7 +2276,7 @@
           <a:p>
             <a:fld id="{1179C0B5-9E42-4E82-BD73-9C37117B84AF}" type="datetimeFigureOut">
               <a:rPr lang="ko-KR" altLang="en-US" smtClean="0"/>
-              <a:t>2017-06-22</a:t>
+              <a:t>2017-09-25</a:t>
             </a:fld>
             <a:endParaRPr lang="ko-KR" altLang="en-US"/>
           </a:p>
@@ -2371,7 +2371,7 @@
           <a:p>
             <a:fld id="{1179C0B5-9E42-4E82-BD73-9C37117B84AF}" type="datetimeFigureOut">
               <a:rPr lang="ko-KR" altLang="en-US" smtClean="0"/>
-              <a:t>2017-06-22</a:t>
+              <a:t>2017-09-25</a:t>
             </a:fld>
             <a:endParaRPr lang="ko-KR" altLang="en-US"/>
           </a:p>
@@ -2648,7 +2648,7 @@
           <a:p>
             <a:fld id="{1179C0B5-9E42-4E82-BD73-9C37117B84AF}" type="datetimeFigureOut">
               <a:rPr lang="ko-KR" altLang="en-US" smtClean="0"/>
-              <a:t>2017-06-22</a:t>
+              <a:t>2017-09-25</a:t>
             </a:fld>
             <a:endParaRPr lang="ko-KR" altLang="en-US"/>
           </a:p>
@@ -2901,7 +2901,7 @@
           <a:p>
             <a:fld id="{1179C0B5-9E42-4E82-BD73-9C37117B84AF}" type="datetimeFigureOut">
               <a:rPr lang="ko-KR" altLang="en-US" smtClean="0"/>
-              <a:t>2017-06-22</a:t>
+              <a:t>2017-09-25</a:t>
             </a:fld>
             <a:endParaRPr lang="ko-KR" altLang="en-US"/>
           </a:p>
@@ -3114,7 +3114,7 @@
           <a:p>
             <a:fld id="{1179C0B5-9E42-4E82-BD73-9C37117B84AF}" type="datetimeFigureOut">
               <a:rPr lang="ko-KR" altLang="en-US" smtClean="0"/>
-              <a:t>2017-06-22</a:t>
+              <a:t>2017-09-25</a:t>
             </a:fld>
             <a:endParaRPr lang="ko-KR" altLang="en-US"/>
           </a:p>
@@ -3677,76 +3677,6 @@
       </p:sp>
       <p:sp>
         <p:nvSpPr>
-          <p:cNvPr id="6" name="TextBox 5"/>
-          <p:cNvSpPr txBox="1"/>
-          <p:nvPr/>
-        </p:nvSpPr>
-        <p:spPr>
-          <a:xfrm>
-            <a:off x="854185" y="3510300"/>
-            <a:ext cx="1402948" cy="369332"/>
-          </a:xfrm>
-          <a:prstGeom prst="rect">
-            <a:avLst/>
-          </a:prstGeom>
-          <a:noFill/>
-        </p:spPr>
-        <p:txBody>
-          <a:bodyPr wrap="none" rtlCol="0">
-            <a:spAutoFit/>
-          </a:bodyPr>
-          <a:lstStyle/>
-          <a:p>
-            <a:r>
-              <a:rPr lang="ko-KR" altLang="en-US" dirty="0" smtClean="0">
-                <a:gradFill>
-                  <a:gsLst>
-                    <a:gs pos="0">
-                      <a:schemeClr val="tx1">
-                        <a:lumMod val="65000"/>
-                        <a:lumOff val="35000"/>
-                      </a:schemeClr>
-                    </a:gs>
-                    <a:gs pos="100000">
-                      <a:schemeClr val="tx1">
-                        <a:lumMod val="65000"/>
-                        <a:lumOff val="35000"/>
-                      </a:schemeClr>
-                    </a:gs>
-                  </a:gsLst>
-                  <a:lin ang="5400000" scaled="0"/>
-                </a:gradFill>
-                <a:latin typeface="Arial" pitchFamily="34" charset="0"/>
-                <a:cs typeface="Arial" pitchFamily="34" charset="0"/>
-              </a:rPr>
-              <a:t>박진수 교수</a:t>
-            </a:r>
-            <a:endParaRPr lang="ko-KR" altLang="en-US" dirty="0">
-              <a:gradFill>
-                <a:gsLst>
-                  <a:gs pos="0">
-                    <a:schemeClr val="tx1">
-                      <a:lumMod val="65000"/>
-                      <a:lumOff val="35000"/>
-                    </a:schemeClr>
-                  </a:gs>
-                  <a:gs pos="100000">
-                    <a:schemeClr val="tx1">
-                      <a:lumMod val="65000"/>
-                      <a:lumOff val="35000"/>
-                    </a:schemeClr>
-                  </a:gs>
-                </a:gsLst>
-                <a:lin ang="5400000" scaled="0"/>
-              </a:gradFill>
-              <a:latin typeface="Arial" pitchFamily="34" charset="0"/>
-              <a:cs typeface="Arial" pitchFamily="34" charset="0"/>
-            </a:endParaRPr>
-          </a:p>
-        </p:txBody>
-      </p:sp>
-      <p:sp>
-        <p:nvSpPr>
           <p:cNvPr id="7" name="TextBox 6"/>
           <p:cNvSpPr txBox="1"/>
           <p:nvPr/>
@@ -19442,9 +19372,27 @@
                 <a:tableStyleId>{C083E6E3-FA7D-4D7B-A595-EF9225AFEA82}</a:tableStyleId>
               </a:tblPr>
               <a:tblGrid>
-                <a:gridCol w="1498615"/>
-                <a:gridCol w="3757970"/>
-                <a:gridCol w="2952328"/>
+                <a:gridCol w="1498615">
+                  <a:extLst>
+                    <a:ext uri="{9D8B030D-6E8A-4147-A177-3AD203B41FA5}">
+                      <a16:colId xmlns:a16="http://schemas.microsoft.com/office/drawing/2014/main" val="20000"/>
+                    </a:ext>
+                  </a:extLst>
+                </a:gridCol>
+                <a:gridCol w="3757970">
+                  <a:extLst>
+                    <a:ext uri="{9D8B030D-6E8A-4147-A177-3AD203B41FA5}">
+                      <a16:colId xmlns:a16="http://schemas.microsoft.com/office/drawing/2014/main" val="20001"/>
+                    </a:ext>
+                  </a:extLst>
+                </a:gridCol>
+                <a:gridCol w="2952328">
+                  <a:extLst>
+                    <a:ext uri="{9D8B030D-6E8A-4147-A177-3AD203B41FA5}">
+                      <a16:colId xmlns:a16="http://schemas.microsoft.com/office/drawing/2014/main" val="20002"/>
+                    </a:ext>
+                  </a:extLst>
+                </a:gridCol>
               </a:tblGrid>
               <a:tr h="341579">
                 <a:tc>
@@ -19618,6 +19566,11 @@
                   </a:txBody>
                   <a:tcPr anchor="ctr"/>
                 </a:tc>
+                <a:extLst>
+                  <a:ext uri="{0D108BD9-81ED-4DB2-BD59-A6C34878D82A}">
+                    <a16:rowId xmlns:a16="http://schemas.microsoft.com/office/drawing/2014/main" val="10000"/>
+                  </a:ext>
+                </a:extLst>
               </a:tr>
               <a:tr h="317695">
                 <a:tc>
@@ -19791,6 +19744,11 @@
                   </a:txBody>
                   <a:tcPr anchor="ctr"/>
                 </a:tc>
+                <a:extLst>
+                  <a:ext uri="{0D108BD9-81ED-4DB2-BD59-A6C34878D82A}">
+                    <a16:rowId xmlns:a16="http://schemas.microsoft.com/office/drawing/2014/main" val="10001"/>
+                  </a:ext>
+                </a:extLst>
               </a:tr>
               <a:tr h="276092">
                 <a:tc>
@@ -20014,6 +19972,11 @@
                   </a:txBody>
                   <a:tcPr anchor="ctr"/>
                 </a:tc>
+                <a:extLst>
+                  <a:ext uri="{0D108BD9-81ED-4DB2-BD59-A6C34878D82A}">
+                    <a16:rowId xmlns:a16="http://schemas.microsoft.com/office/drawing/2014/main" val="10002"/>
+                  </a:ext>
+                </a:extLst>
               </a:tr>
               <a:tr h="276092">
                 <a:tc>
@@ -20187,6 +20150,11 @@
                   </a:txBody>
                   <a:tcPr anchor="ctr"/>
                 </a:tc>
+                <a:extLst>
+                  <a:ext uri="{0D108BD9-81ED-4DB2-BD59-A6C34878D82A}">
+                    <a16:rowId xmlns:a16="http://schemas.microsoft.com/office/drawing/2014/main" val="10003"/>
+                  </a:ext>
+                </a:extLst>
               </a:tr>
               <a:tr h="276092">
                 <a:tc>
@@ -20385,6 +20353,11 @@
                   </a:txBody>
                   <a:tcPr anchor="ctr"/>
                 </a:tc>
+                <a:extLst>
+                  <a:ext uri="{0D108BD9-81ED-4DB2-BD59-A6C34878D82A}">
+                    <a16:rowId xmlns:a16="http://schemas.microsoft.com/office/drawing/2014/main" val="10004"/>
+                  </a:ext>
+                </a:extLst>
               </a:tr>
               <a:tr h="276092">
                 <a:tc>
@@ -20583,6 +20556,11 @@
                   </a:txBody>
                   <a:tcPr anchor="ctr"/>
                 </a:tc>
+                <a:extLst>
+                  <a:ext uri="{0D108BD9-81ED-4DB2-BD59-A6C34878D82A}">
+                    <a16:rowId xmlns:a16="http://schemas.microsoft.com/office/drawing/2014/main" val="10005"/>
+                  </a:ext>
+                </a:extLst>
               </a:tr>
               <a:tr h="276092">
                 <a:tc>
@@ -20831,6 +20809,11 @@
                   </a:txBody>
                   <a:tcPr anchor="ctr"/>
                 </a:tc>
+                <a:extLst>
+                  <a:ext uri="{0D108BD9-81ED-4DB2-BD59-A6C34878D82A}">
+                    <a16:rowId xmlns:a16="http://schemas.microsoft.com/office/drawing/2014/main" val="10006"/>
+                  </a:ext>
+                </a:extLst>
               </a:tr>
               <a:tr h="276092">
                 <a:tc>
@@ -21004,6 +20987,11 @@
                   </a:txBody>
                   <a:tcPr anchor="ctr"/>
                 </a:tc>
+                <a:extLst>
+                  <a:ext uri="{0D108BD9-81ED-4DB2-BD59-A6C34878D82A}">
+                    <a16:rowId xmlns:a16="http://schemas.microsoft.com/office/drawing/2014/main" val="10007"/>
+                  </a:ext>
+                </a:extLst>
               </a:tr>
               <a:tr h="276092">
                 <a:tc>
@@ -21252,6 +21240,11 @@
                   </a:txBody>
                   <a:tcPr anchor="ctr"/>
                 </a:tc>
+                <a:extLst>
+                  <a:ext uri="{0D108BD9-81ED-4DB2-BD59-A6C34878D82A}">
+                    <a16:rowId xmlns:a16="http://schemas.microsoft.com/office/drawing/2014/main" val="10008"/>
+                  </a:ext>
+                </a:extLst>
               </a:tr>
               <a:tr h="276092">
                 <a:tc>
@@ -21525,6 +21518,11 @@
                   </a:txBody>
                   <a:tcPr anchor="ctr"/>
                 </a:tc>
+                <a:extLst>
+                  <a:ext uri="{0D108BD9-81ED-4DB2-BD59-A6C34878D82A}">
+                    <a16:rowId xmlns:a16="http://schemas.microsoft.com/office/drawing/2014/main" val="10009"/>
+                  </a:ext>
+                </a:extLst>
               </a:tr>
               <a:tr h="276092">
                 <a:tc>
@@ -21848,6 +21846,11 @@
                   </a:txBody>
                   <a:tcPr anchor="ctr"/>
                 </a:tc>
+                <a:extLst>
+                  <a:ext uri="{0D108BD9-81ED-4DB2-BD59-A6C34878D82A}">
+                    <a16:rowId xmlns:a16="http://schemas.microsoft.com/office/drawing/2014/main" val="10010"/>
+                  </a:ext>
+                </a:extLst>
               </a:tr>
               <a:tr h="276092">
                 <a:tc>
@@ -22021,6 +22024,11 @@
                   </a:txBody>
                   <a:tcPr anchor="ctr"/>
                 </a:tc>
+                <a:extLst>
+                  <a:ext uri="{0D108BD9-81ED-4DB2-BD59-A6C34878D82A}">
+                    <a16:rowId xmlns:a16="http://schemas.microsoft.com/office/drawing/2014/main" val="10011"/>
+                  </a:ext>
+                </a:extLst>
               </a:tr>
               <a:tr h="276092">
                 <a:tc>
@@ -22269,6 +22277,11 @@
                   </a:txBody>
                   <a:tcPr anchor="ctr"/>
                 </a:tc>
+                <a:extLst>
+                  <a:ext uri="{0D108BD9-81ED-4DB2-BD59-A6C34878D82A}">
+                    <a16:rowId xmlns:a16="http://schemas.microsoft.com/office/drawing/2014/main" val="10012"/>
+                  </a:ext>
+                </a:extLst>
               </a:tr>
               <a:tr h="276092">
                 <a:tc>
@@ -22517,6 +22530,11 @@
                   </a:txBody>
                   <a:tcPr anchor="ctr"/>
                 </a:tc>
+                <a:extLst>
+                  <a:ext uri="{0D108BD9-81ED-4DB2-BD59-A6C34878D82A}">
+                    <a16:rowId xmlns:a16="http://schemas.microsoft.com/office/drawing/2014/main" val="10013"/>
+                  </a:ext>
+                </a:extLst>
               </a:tr>
               <a:tr h="276092">
                 <a:tc>
@@ -22790,6 +22808,11 @@
                   </a:txBody>
                   <a:tcPr anchor="ctr"/>
                 </a:tc>
+                <a:extLst>
+                  <a:ext uri="{0D108BD9-81ED-4DB2-BD59-A6C34878D82A}">
+                    <a16:rowId xmlns:a16="http://schemas.microsoft.com/office/drawing/2014/main" val="10014"/>
+                  </a:ext>
+                </a:extLst>
               </a:tr>
               <a:tr h="276092">
                 <a:tc>
@@ -23063,6 +23086,11 @@
                   </a:txBody>
                   <a:tcPr anchor="ctr"/>
                 </a:tc>
+                <a:extLst>
+                  <a:ext uri="{0D108BD9-81ED-4DB2-BD59-A6C34878D82A}">
+                    <a16:rowId xmlns:a16="http://schemas.microsoft.com/office/drawing/2014/main" val="10015"/>
+                  </a:ext>
+                </a:extLst>
               </a:tr>
               <a:tr h="276092">
                 <a:tc>
@@ -23261,6 +23289,11 @@
                   </a:txBody>
                   <a:tcPr anchor="ctr"/>
                 </a:tc>
+                <a:extLst>
+                  <a:ext uri="{0D108BD9-81ED-4DB2-BD59-A6C34878D82A}">
+                    <a16:rowId xmlns:a16="http://schemas.microsoft.com/office/drawing/2014/main" val="10016"/>
+                  </a:ext>
+                </a:extLst>
               </a:tr>
               <a:tr h="276092">
                 <a:tc>
@@ -23509,6 +23542,11 @@
                   </a:txBody>
                   <a:tcPr anchor="ctr"/>
                 </a:tc>
+                <a:extLst>
+                  <a:ext uri="{0D108BD9-81ED-4DB2-BD59-A6C34878D82A}">
+                    <a16:rowId xmlns:a16="http://schemas.microsoft.com/office/drawing/2014/main" val="10017"/>
+                  </a:ext>
+                </a:extLst>
               </a:tr>
             </a:tbl>
           </a:graphicData>
@@ -24199,9 +24237,27 @@
                 <a:tableStyleId>{C083E6E3-FA7D-4D7B-A595-EF9225AFEA82}</a:tableStyleId>
               </a:tblPr>
               <a:tblGrid>
-                <a:gridCol w="1498615"/>
-                <a:gridCol w="3757970"/>
-                <a:gridCol w="2952328"/>
+                <a:gridCol w="1498615">
+                  <a:extLst>
+                    <a:ext uri="{9D8B030D-6E8A-4147-A177-3AD203B41FA5}">
+                      <a16:colId xmlns:a16="http://schemas.microsoft.com/office/drawing/2014/main" val="20000"/>
+                    </a:ext>
+                  </a:extLst>
+                </a:gridCol>
+                <a:gridCol w="3757970">
+                  <a:extLst>
+                    <a:ext uri="{9D8B030D-6E8A-4147-A177-3AD203B41FA5}">
+                      <a16:colId xmlns:a16="http://schemas.microsoft.com/office/drawing/2014/main" val="20001"/>
+                    </a:ext>
+                  </a:extLst>
+                </a:gridCol>
+                <a:gridCol w="2952328">
+                  <a:extLst>
+                    <a:ext uri="{9D8B030D-6E8A-4147-A177-3AD203B41FA5}">
+                      <a16:colId xmlns:a16="http://schemas.microsoft.com/office/drawing/2014/main" val="20002"/>
+                    </a:ext>
+                  </a:extLst>
+                </a:gridCol>
               </a:tblGrid>
               <a:tr h="341579">
                 <a:tc>
@@ -24375,6 +24431,11 @@
                   </a:txBody>
                   <a:tcPr anchor="ctr"/>
                 </a:tc>
+                <a:extLst>
+                  <a:ext uri="{0D108BD9-81ED-4DB2-BD59-A6C34878D82A}">
+                    <a16:rowId xmlns:a16="http://schemas.microsoft.com/office/drawing/2014/main" val="10000"/>
+                  </a:ext>
+                </a:extLst>
               </a:tr>
               <a:tr h="317695">
                 <a:tc>
@@ -24548,6 +24609,11 @@
                   </a:txBody>
                   <a:tcPr anchor="ctr"/>
                 </a:tc>
+                <a:extLst>
+                  <a:ext uri="{0D108BD9-81ED-4DB2-BD59-A6C34878D82A}">
+                    <a16:rowId xmlns:a16="http://schemas.microsoft.com/office/drawing/2014/main" val="10001"/>
+                  </a:ext>
+                </a:extLst>
               </a:tr>
               <a:tr h="276092">
                 <a:tc>
@@ -24746,6 +24812,11 @@
                   </a:txBody>
                   <a:tcPr anchor="ctr"/>
                 </a:tc>
+                <a:extLst>
+                  <a:ext uri="{0D108BD9-81ED-4DB2-BD59-A6C34878D82A}">
+                    <a16:rowId xmlns:a16="http://schemas.microsoft.com/office/drawing/2014/main" val="10002"/>
+                  </a:ext>
+                </a:extLst>
               </a:tr>
               <a:tr h="276092">
                 <a:tc>
@@ -24919,6 +24990,11 @@
                   </a:txBody>
                   <a:tcPr anchor="ctr"/>
                 </a:tc>
+                <a:extLst>
+                  <a:ext uri="{0D108BD9-81ED-4DB2-BD59-A6C34878D82A}">
+                    <a16:rowId xmlns:a16="http://schemas.microsoft.com/office/drawing/2014/main" val="10003"/>
+                  </a:ext>
+                </a:extLst>
               </a:tr>
               <a:tr h="276092">
                 <a:tc>
@@ -25167,6 +25243,11 @@
                   </a:txBody>
                   <a:tcPr anchor="ctr"/>
                 </a:tc>
+                <a:extLst>
+                  <a:ext uri="{0D108BD9-81ED-4DB2-BD59-A6C34878D82A}">
+                    <a16:rowId xmlns:a16="http://schemas.microsoft.com/office/drawing/2014/main" val="10004"/>
+                  </a:ext>
+                </a:extLst>
               </a:tr>
               <a:tr h="276092">
                 <a:tc>
@@ -25415,6 +25496,11 @@
                   </a:txBody>
                   <a:tcPr anchor="ctr"/>
                 </a:tc>
+                <a:extLst>
+                  <a:ext uri="{0D108BD9-81ED-4DB2-BD59-A6C34878D82A}">
+                    <a16:rowId xmlns:a16="http://schemas.microsoft.com/office/drawing/2014/main" val="10005"/>
+                  </a:ext>
+                </a:extLst>
               </a:tr>
               <a:tr h="276092">
                 <a:tc>
@@ -25588,6 +25674,11 @@
                   </a:txBody>
                   <a:tcPr anchor="ctr"/>
                 </a:tc>
+                <a:extLst>
+                  <a:ext uri="{0D108BD9-81ED-4DB2-BD59-A6C34878D82A}">
+                    <a16:rowId xmlns:a16="http://schemas.microsoft.com/office/drawing/2014/main" val="10006"/>
+                  </a:ext>
+                </a:extLst>
               </a:tr>
               <a:tr h="276092">
                 <a:tc>
@@ -25786,6 +25877,11 @@
                   </a:txBody>
                   <a:tcPr anchor="ctr"/>
                 </a:tc>
+                <a:extLst>
+                  <a:ext uri="{0D108BD9-81ED-4DB2-BD59-A6C34878D82A}">
+                    <a16:rowId xmlns:a16="http://schemas.microsoft.com/office/drawing/2014/main" val="10007"/>
+                  </a:ext>
+                </a:extLst>
               </a:tr>
               <a:tr h="276092">
                 <a:tc>
@@ -25959,6 +26055,11 @@
                   </a:txBody>
                   <a:tcPr anchor="ctr"/>
                 </a:tc>
+                <a:extLst>
+                  <a:ext uri="{0D108BD9-81ED-4DB2-BD59-A6C34878D82A}">
+                    <a16:rowId xmlns:a16="http://schemas.microsoft.com/office/drawing/2014/main" val="10008"/>
+                  </a:ext>
+                </a:extLst>
               </a:tr>
               <a:tr h="276092">
                 <a:tc>
@@ -26207,6 +26308,11 @@
                   </a:txBody>
                   <a:tcPr anchor="ctr"/>
                 </a:tc>
+                <a:extLst>
+                  <a:ext uri="{0D108BD9-81ED-4DB2-BD59-A6C34878D82A}">
+                    <a16:rowId xmlns:a16="http://schemas.microsoft.com/office/drawing/2014/main" val="10009"/>
+                  </a:ext>
+                </a:extLst>
               </a:tr>
               <a:tr h="276092">
                 <a:tc>
@@ -26455,6 +26561,11 @@
                   </a:txBody>
                   <a:tcPr anchor="ctr"/>
                 </a:tc>
+                <a:extLst>
+                  <a:ext uri="{0D108BD9-81ED-4DB2-BD59-A6C34878D82A}">
+                    <a16:rowId xmlns:a16="http://schemas.microsoft.com/office/drawing/2014/main" val="10010"/>
+                  </a:ext>
+                </a:extLst>
               </a:tr>
               <a:tr h="276092">
                 <a:tc>
@@ -26703,6 +26814,11 @@
                   </a:txBody>
                   <a:tcPr anchor="ctr"/>
                 </a:tc>
+                <a:extLst>
+                  <a:ext uri="{0D108BD9-81ED-4DB2-BD59-A6C34878D82A}">
+                    <a16:rowId xmlns:a16="http://schemas.microsoft.com/office/drawing/2014/main" val="10011"/>
+                  </a:ext>
+                </a:extLst>
               </a:tr>
               <a:tr h="276092">
                 <a:tc>
@@ -26976,6 +27092,11 @@
                   </a:txBody>
                   <a:tcPr anchor="ctr"/>
                 </a:tc>
+                <a:extLst>
+                  <a:ext uri="{0D108BD9-81ED-4DB2-BD59-A6C34878D82A}">
+                    <a16:rowId xmlns:a16="http://schemas.microsoft.com/office/drawing/2014/main" val="10012"/>
+                  </a:ext>
+                </a:extLst>
               </a:tr>
               <a:tr h="276092">
                 <a:tc>
@@ -27299,6 +27420,11 @@
                   </a:txBody>
                   <a:tcPr anchor="ctr"/>
                 </a:tc>
+                <a:extLst>
+                  <a:ext uri="{0D108BD9-81ED-4DB2-BD59-A6C34878D82A}">
+                    <a16:rowId xmlns:a16="http://schemas.microsoft.com/office/drawing/2014/main" val="10013"/>
+                  </a:ext>
+                </a:extLst>
               </a:tr>
               <a:tr h="276092">
                 <a:tc>
@@ -27522,6 +27648,11 @@
                   </a:txBody>
                   <a:tcPr anchor="ctr"/>
                 </a:tc>
+                <a:extLst>
+                  <a:ext uri="{0D108BD9-81ED-4DB2-BD59-A6C34878D82A}">
+                    <a16:rowId xmlns:a16="http://schemas.microsoft.com/office/drawing/2014/main" val="10014"/>
+                  </a:ext>
+                </a:extLst>
               </a:tr>
               <a:tr h="276092">
                 <a:tc>
@@ -27745,6 +27876,11 @@
                   </a:txBody>
                   <a:tcPr anchor="ctr"/>
                 </a:tc>
+                <a:extLst>
+                  <a:ext uri="{0D108BD9-81ED-4DB2-BD59-A6C34878D82A}">
+                    <a16:rowId xmlns:a16="http://schemas.microsoft.com/office/drawing/2014/main" val="10015"/>
+                  </a:ext>
+                </a:extLst>
               </a:tr>
               <a:tr h="276092">
                 <a:tc>
@@ -27968,6 +28104,11 @@
                   </a:txBody>
                   <a:tcPr anchor="ctr"/>
                 </a:tc>
+                <a:extLst>
+                  <a:ext uri="{0D108BD9-81ED-4DB2-BD59-A6C34878D82A}">
+                    <a16:rowId xmlns:a16="http://schemas.microsoft.com/office/drawing/2014/main" val="10016"/>
+                  </a:ext>
+                </a:extLst>
               </a:tr>
             </a:tbl>
           </a:graphicData>
